--- a/Slides/Week01/16：進入RLHF階段.pptx
+++ b/Slides/Week01/16：進入RLHF階段.pptx
@@ -260,7 +260,7 @@
             <a:fld id="{68F88C59-319B-4332-9A1D-2A62CFCB00D8}" type="datetimeFigureOut">
               <a:rPr lang="en-US" smtClean="0"/>
               <a:pPr/>
-              <a:t>3/14/2024</a:t>
+              <a:t>3/21/2024</a:t>
             </a:fld>
             <a:endParaRPr lang="en-US" dirty="0"/>
           </a:p>
@@ -431,7 +431,7 @@
             <a:fld id="{968B300D-05F0-4B43-940D-46DED5A791AD}" type="datetimeFigureOut">
               <a:rPr lang="en-US" smtClean="0"/>
               <a:pPr/>
-              <a:t>3/14/2024</a:t>
+              <a:t>3/21/2024</a:t>
             </a:fld>
             <a:endParaRPr lang="en-US" dirty="0"/>
           </a:p>
@@ -3821,7 +3821,7 @@
                 </a:solidFill>
               </a:rPr>
               <a:pPr/>
-              <a:t>3/14/2024</a:t>
+              <a:t>3/21/2024</a:t>
             </a:fld>
             <a:endParaRPr kumimoji="0" lang="en-US" dirty="0"/>
           </a:p>
@@ -4212,7 +4212,7 @@
                 </a:solidFill>
               </a:rPr>
               <a:pPr/>
-              <a:t>3/14/2024</a:t>
+              <a:t>3/21/2024</a:t>
             </a:fld>
             <a:endParaRPr kumimoji="0" lang="en-US" dirty="0"/>
           </a:p>
@@ -4547,7 +4547,7 @@
                 </a:solidFill>
               </a:rPr>
               <a:pPr/>
-              <a:t>3/14/2024</a:t>
+              <a:t>3/21/2024</a:t>
             </a:fld>
             <a:endParaRPr kumimoji="0" lang="en-US" dirty="0"/>
           </a:p>
@@ -5123,7 +5123,7 @@
                 </a:solidFill>
               </a:rPr>
               <a:pPr/>
-              <a:t>3/14/2024</a:t>
+              <a:t>3/21/2024</a:t>
             </a:fld>
             <a:endParaRPr kumimoji="0" lang="en-US" dirty="0"/>
           </a:p>
@@ -5687,7 +5687,7 @@
                 </a:solidFill>
               </a:rPr>
               <a:pPr/>
-              <a:t>3/14/2024</a:t>
+              <a:t>3/21/2024</a:t>
             </a:fld>
             <a:endParaRPr kumimoji="0" lang="en-US" dirty="0"/>
           </a:p>
@@ -6146,7 +6146,7 @@
                 </a:solidFill>
               </a:rPr>
               <a:pPr/>
-              <a:t>3/14/2024</a:t>
+              <a:t>3/21/2024</a:t>
             </a:fld>
             <a:endParaRPr kumimoji="0" lang="en-US" dirty="0"/>
           </a:p>
@@ -6570,7 +6570,7 @@
                 </a:solidFill>
               </a:rPr>
               <a:pPr/>
-              <a:t>3/14/2024</a:t>
+              <a:t>3/21/2024</a:t>
             </a:fld>
             <a:endParaRPr kumimoji="0" lang="en-US" dirty="0"/>
           </a:p>
@@ -7074,7 +7074,7 @@
                 </a:solidFill>
               </a:rPr>
               <a:pPr/>
-              <a:t>3/14/2024</a:t>
+              <a:t>3/21/2024</a:t>
             </a:fld>
             <a:endParaRPr kumimoji="0" lang="en-US" dirty="0"/>
           </a:p>
@@ -7578,7 +7578,7 @@
                 </a:solidFill>
               </a:rPr>
               <a:pPr/>
-              <a:t>3/14/2024</a:t>
+              <a:t>3/21/2024</a:t>
             </a:fld>
             <a:endParaRPr kumimoji="0" lang="en-US" dirty="0"/>
           </a:p>
@@ -7794,7 +7794,7 @@
                 </a:solidFill>
               </a:rPr>
               <a:pPr/>
-              <a:t>3/14/2024</a:t>
+              <a:t>3/21/2024</a:t>
             </a:fld>
             <a:endParaRPr kumimoji="0" lang="en-US" dirty="0"/>
           </a:p>
@@ -8122,7 +8122,7 @@
                 </a:solidFill>
               </a:rPr>
               <a:pPr/>
-              <a:t>3/14/2024</a:t>
+              <a:t>3/21/2024</a:t>
             </a:fld>
             <a:endParaRPr kumimoji="0" lang="en-US" dirty="0"/>
           </a:p>
@@ -8348,7 +8348,7 @@
                 </a:solidFill>
               </a:rPr>
               <a:pPr/>
-              <a:t>3/14/2024</a:t>
+              <a:t>3/21/2024</a:t>
             </a:fld>
             <a:endParaRPr kumimoji="0" lang="en-US" dirty="0"/>
           </a:p>
@@ -8567,7 +8567,7 @@
                 </a:solidFill>
               </a:rPr>
               <a:pPr/>
-              <a:t>3/14/2024</a:t>
+              <a:t>3/21/2024</a:t>
             </a:fld>
             <a:endParaRPr kumimoji="0" lang="en-US" dirty="0"/>
           </a:p>
@@ -8743,7 +8743,7 @@
             <a:fld id="{ACB2EC6F-6501-4E04-BD6C-A8A6CABB2C5B}" type="datetimeFigureOut">
               <a:rPr kumimoji="0" lang="en-US" smtClean="0"/>
               <a:pPr/>
-              <a:t>3/14/2024</a:t>
+              <a:t>3/21/2024</a:t>
             </a:fld>
             <a:endParaRPr kumimoji="0" lang="en-US" dirty="0"/>
           </a:p>
@@ -8988,7 +8988,7 @@
                 </a:solidFill>
               </a:rPr>
               <a:pPr/>
-              <a:t>3/14/2024</a:t>
+              <a:t>3/21/2024</a:t>
             </a:fld>
             <a:endParaRPr kumimoji="0" lang="en-US" dirty="0"/>
           </a:p>
@@ -9460,7 +9460,7 @@
                 </a:solidFill>
               </a:rPr>
               <a:pPr/>
-              <a:t>3/14/2024</a:t>
+              <a:t>3/21/2024</a:t>
             </a:fld>
             <a:endParaRPr kumimoji="0" lang="en-US" dirty="0"/>
           </a:p>
@@ -9812,7 +9812,7 @@
                 </a:solidFill>
               </a:rPr>
               <a:pPr/>
-              <a:t>3/14/2024</a:t>
+              <a:t>3/21/2024</a:t>
             </a:fld>
             <a:endParaRPr kumimoji="0" lang="en-US" dirty="0"/>
           </a:p>
@@ -10170,7 +10170,7 @@
                 </a:solidFill>
               </a:rPr>
               <a:pPr/>
-              <a:t>3/14/2024</a:t>
+              <a:t>3/21/2024</a:t>
             </a:fld>
             <a:endParaRPr kumimoji="0" lang="en-US" dirty="0"/>
           </a:p>
@@ -10475,7 +10475,7 @@
                 </a:solidFill>
               </a:rPr>
               <a:pPr/>
-              <a:t>3/14/2024</a:t>
+              <a:t>3/21/2024</a:t>
             </a:fld>
             <a:endParaRPr kumimoji="0" lang="en-US" dirty="0"/>
           </a:p>
@@ -10951,7 +10951,7 @@
                 </a:solidFill>
               </a:rPr>
               <a:pPr/>
-              <a:t>3/14/2024</a:t>
+              <a:t>3/21/2024</a:t>
             </a:fld>
             <a:endParaRPr kumimoji="0" lang="en-US" dirty="0"/>
           </a:p>
@@ -11188,7 +11188,7 @@
                 </a:solidFill>
               </a:rPr>
               <a:pPr/>
-              <a:t>3/14/2024</a:t>
+              <a:t>3/21/2024</a:t>
             </a:fld>
             <a:endParaRPr kumimoji="0" lang="en-US" sz="1200" dirty="0">
               <a:solidFill>
@@ -11762,7 +11762,7 @@
                   <a:schemeClr val="tx2"/>
                 </a:solidFill>
               </a:rPr>
-              <a:t>3/14/2024</a:t>
+              <a:t>3/21/2024</a:t>
             </a:fld>
             <a:endParaRPr kumimoji="0" lang="en-US" dirty="0"/>
           </a:p>
@@ -11960,7 +11960,7 @@
                 <a:latin typeface="Arial" panose="020B0604020202020204" pitchFamily="34" charset="0"/>
                 <a:cs typeface="Arial" panose="020B0604020202020204" pitchFamily="34" charset="0"/>
               </a:rPr>
-              <a:t>3/14/2024</a:t>
+              <a:t>3/21/2024</a:t>
             </a:fld>
             <a:endParaRPr kumimoji="0" lang="en-US" dirty="0">
               <a:latin typeface="Arial" panose="020B0604020202020204" pitchFamily="34" charset="0"/>
@@ -12197,7 +12197,7 @@
                 <a:latin typeface="Arial" panose="020B0604020202020204" pitchFamily="34" charset="0"/>
                 <a:cs typeface="Arial" panose="020B0604020202020204" pitchFamily="34" charset="0"/>
               </a:rPr>
-              <a:t>3/14/2024</a:t>
+              <a:t>3/21/2024</a:t>
             </a:fld>
             <a:endParaRPr kumimoji="0" lang="en-US" dirty="0">
               <a:latin typeface="Arial" panose="020B0604020202020204" pitchFamily="34" charset="0"/>
@@ -12495,7 +12495,7 @@
                 <a:latin typeface="Arial" panose="020B0604020202020204" pitchFamily="34" charset="0"/>
                 <a:cs typeface="Arial" panose="020B0604020202020204" pitchFamily="34" charset="0"/>
               </a:rPr>
-              <a:t>3/14/2024</a:t>
+              <a:t>3/21/2024</a:t>
             </a:fld>
             <a:endParaRPr kumimoji="0" lang="en-US" dirty="0">
               <a:latin typeface="Arial" panose="020B0604020202020204" pitchFamily="34" charset="0"/>
@@ -12793,7 +12793,7 @@
                 <a:latin typeface="Arial" panose="020B0604020202020204" pitchFamily="34" charset="0"/>
                 <a:cs typeface="Arial" panose="020B0604020202020204" pitchFamily="34" charset="0"/>
               </a:rPr>
-              <a:t>3/14/2024</a:t>
+              <a:t>3/21/2024</a:t>
             </a:fld>
             <a:endParaRPr kumimoji="0" lang="en-US" dirty="0">
               <a:latin typeface="Arial" panose="020B0604020202020204" pitchFamily="34" charset="0"/>
@@ -13072,7 +13072,7 @@
                 <a:latin typeface="Arial" panose="020B0604020202020204" pitchFamily="34" charset="0"/>
                 <a:cs typeface="Arial" panose="020B0604020202020204" pitchFamily="34" charset="0"/>
               </a:rPr>
-              <a:t>3/14/2024</a:t>
+              <a:t>3/21/2024</a:t>
             </a:fld>
             <a:endParaRPr kumimoji="0" lang="en-US" dirty="0">
               <a:latin typeface="Arial" panose="020B0604020202020204" pitchFamily="34" charset="0"/>
@@ -13351,7 +13351,7 @@
                 <a:latin typeface="Arial" panose="020B0604020202020204" pitchFamily="34" charset="0"/>
                 <a:cs typeface="Arial" panose="020B0604020202020204" pitchFamily="34" charset="0"/>
               </a:rPr>
-              <a:t>3/14/2024</a:t>
+              <a:t>3/21/2024</a:t>
             </a:fld>
             <a:endParaRPr kumimoji="0" lang="en-US" dirty="0">
               <a:latin typeface="Arial" panose="020B0604020202020204" pitchFamily="34" charset="0"/>
@@ -13682,7 +13682,7 @@
                 <a:latin typeface="Arial" panose="020B0604020202020204" pitchFamily="34" charset="0"/>
                 <a:cs typeface="Arial" panose="020B0604020202020204" pitchFamily="34" charset="0"/>
               </a:rPr>
-              <a:t>3/14/2024</a:t>
+              <a:t>3/21/2024</a:t>
             </a:fld>
             <a:endParaRPr kumimoji="0" lang="en-US" dirty="0">
               <a:latin typeface="Arial" panose="020B0604020202020204" pitchFamily="34" charset="0"/>
@@ -13970,7 +13970,7 @@
                 <a:latin typeface="Arial" panose="020B0604020202020204" pitchFamily="34" charset="0"/>
                 <a:cs typeface="Arial" panose="020B0604020202020204" pitchFamily="34" charset="0"/>
               </a:rPr>
-              <a:t>3/14/2024</a:t>
+              <a:t>3/21/2024</a:t>
             </a:fld>
             <a:endParaRPr kumimoji="0" lang="en-US" dirty="0">
               <a:latin typeface="Arial" panose="020B0604020202020204" pitchFamily="34" charset="0"/>
@@ -14330,7 +14330,7 @@
                 <a:latin typeface="Arial" panose="020B0604020202020204" pitchFamily="34" charset="0"/>
                 <a:cs typeface="Arial" panose="020B0604020202020204" pitchFamily="34" charset="0"/>
               </a:rPr>
-              <a:t>3/14/2024</a:t>
+              <a:t>3/21/2024</a:t>
             </a:fld>
             <a:endParaRPr kumimoji="0" lang="en-US" dirty="0">
               <a:latin typeface="Arial" panose="020B0604020202020204" pitchFamily="34" charset="0"/>
@@ -14639,7 +14639,7 @@
                 <a:latin typeface="Arial" panose="020B0604020202020204" pitchFamily="34" charset="0"/>
                 <a:cs typeface="Arial" panose="020B0604020202020204" pitchFamily="34" charset="0"/>
               </a:rPr>
-              <a:t>3/14/2024</a:t>
+              <a:t>3/21/2024</a:t>
             </a:fld>
             <a:endParaRPr kumimoji="0" lang="en-US" dirty="0">
               <a:latin typeface="Arial" panose="020B0604020202020204" pitchFamily="34" charset="0"/>
@@ -14915,7 +14915,7 @@
                 <a:latin typeface="Arial" panose="020B0604020202020204" pitchFamily="34" charset="0"/>
                 <a:cs typeface="Arial" panose="020B0604020202020204" pitchFamily="34" charset="0"/>
               </a:rPr>
-              <a:t>3/14/2024</a:t>
+              <a:t>3/21/2024</a:t>
             </a:fld>
             <a:endParaRPr kumimoji="0" lang="en-US" dirty="0">
               <a:latin typeface="Arial" panose="020B0604020202020204" pitchFamily="34" charset="0"/>
@@ -15382,7 +15382,7 @@
                 <a:latin typeface="Arial" panose="020B0604020202020204" pitchFamily="34" charset="0"/>
                 <a:cs typeface="Arial" panose="020B0604020202020204" pitchFamily="34" charset="0"/>
               </a:rPr>
-              <a:t>3/14/2024</a:t>
+              <a:t>3/21/2024</a:t>
             </a:fld>
             <a:endParaRPr kumimoji="0" lang="en-US" dirty="0">
               <a:latin typeface="Arial" panose="020B0604020202020204" pitchFamily="34" charset="0"/>
@@ -15701,7 +15701,7 @@
                 <a:latin typeface="Arial" panose="020B0604020202020204" pitchFamily="34" charset="0"/>
                 <a:cs typeface="Arial" panose="020B0604020202020204" pitchFamily="34" charset="0"/>
               </a:rPr>
-              <a:t>3/14/2024</a:t>
+              <a:t>3/21/2024</a:t>
             </a:fld>
             <a:endParaRPr kumimoji="0" lang="en-US" dirty="0">
               <a:latin typeface="Arial" panose="020B0604020202020204" pitchFamily="34" charset="0"/>
@@ -15996,7 +15996,7 @@
                 <a:latin typeface="Arial" panose="020B0604020202020204" pitchFamily="34" charset="0"/>
                 <a:cs typeface="Arial" panose="020B0604020202020204" pitchFamily="34" charset="0"/>
               </a:rPr>
-              <a:t>3/14/2024</a:t>
+              <a:t>3/21/2024</a:t>
             </a:fld>
             <a:endParaRPr kumimoji="0" lang="en-US" dirty="0">
               <a:latin typeface="Arial" panose="020B0604020202020204" pitchFamily="34" charset="0"/>
@@ -16286,7 +16286,7 @@
                 <a:latin typeface="Arial" panose="020B0604020202020204" pitchFamily="34" charset="0"/>
                 <a:cs typeface="Arial" panose="020B0604020202020204" pitchFamily="34" charset="0"/>
               </a:rPr>
-              <a:t>3/14/2024</a:t>
+              <a:t>3/21/2024</a:t>
             </a:fld>
             <a:endParaRPr kumimoji="0" lang="en-US" dirty="0">
               <a:latin typeface="Arial" panose="020B0604020202020204" pitchFamily="34" charset="0"/>
@@ -16597,7 +16597,7 @@
                 <a:latin typeface="Arial" panose="020B0604020202020204" pitchFamily="34" charset="0"/>
                 <a:cs typeface="Arial" panose="020B0604020202020204" pitchFamily="34" charset="0"/>
               </a:rPr>
-              <a:t>3/14/2024</a:t>
+              <a:t>3/21/2024</a:t>
             </a:fld>
             <a:endParaRPr kumimoji="0" lang="en-US" dirty="0">
               <a:latin typeface="Arial" panose="020B0604020202020204" pitchFamily="34" charset="0"/>
@@ -16927,7 +16927,7 @@
                 <a:latin typeface="Arial" panose="020B0604020202020204" pitchFamily="34" charset="0"/>
                 <a:cs typeface="Arial" panose="020B0604020202020204" pitchFamily="34" charset="0"/>
               </a:rPr>
-              <a:t>3/14/2024</a:t>
+              <a:t>3/21/2024</a:t>
             </a:fld>
             <a:endParaRPr kumimoji="0" lang="en-US" dirty="0">
               <a:latin typeface="Arial" panose="020B0604020202020204" pitchFamily="34" charset="0"/>
@@ -17257,7 +17257,7 @@
                 <a:latin typeface="Arial" panose="020B0604020202020204" pitchFamily="34" charset="0"/>
                 <a:cs typeface="Arial" panose="020B0604020202020204" pitchFamily="34" charset="0"/>
               </a:rPr>
-              <a:t>3/14/2024</a:t>
+              <a:t>3/21/2024</a:t>
             </a:fld>
             <a:endParaRPr kumimoji="0" lang="en-US" dirty="0">
               <a:latin typeface="Arial" panose="020B0604020202020204" pitchFamily="34" charset="0"/>
@@ -17535,7 +17535,7 @@
                 <a:latin typeface="Arial" panose="020B0604020202020204" pitchFamily="34" charset="0"/>
                 <a:cs typeface="Arial" panose="020B0604020202020204" pitchFamily="34" charset="0"/>
               </a:rPr>
-              <a:t>3/14/2024</a:t>
+              <a:t>3/21/2024</a:t>
             </a:fld>
             <a:endParaRPr kumimoji="0" lang="en-US" dirty="0">
               <a:latin typeface="Arial" panose="020B0604020202020204" pitchFamily="34" charset="0"/>
@@ -17936,7 +17936,7 @@
                 <a:latin typeface="Arial" panose="020B0604020202020204" pitchFamily="34" charset="0"/>
                 <a:cs typeface="Arial" panose="020B0604020202020204" pitchFamily="34" charset="0"/>
               </a:rPr>
-              <a:t>3/14/2024</a:t>
+              <a:t>3/21/2024</a:t>
             </a:fld>
             <a:endParaRPr kumimoji="0" lang="en-US" dirty="0">
               <a:latin typeface="Arial" panose="020B0604020202020204" pitchFamily="34" charset="0"/>
@@ -18453,7 +18453,7 @@
                 <a:latin typeface="Arial" panose="020B0604020202020204" pitchFamily="34" charset="0"/>
                 <a:cs typeface="Arial" panose="020B0604020202020204" pitchFamily="34" charset="0"/>
               </a:rPr>
-              <a:t>3/14/2024</a:t>
+              <a:t>3/21/2024</a:t>
             </a:fld>
             <a:endParaRPr kumimoji="0" lang="en-US" dirty="0">
               <a:latin typeface="Arial" panose="020B0604020202020204" pitchFamily="34" charset="0"/>
@@ -18754,7 +18754,7 @@
                 <a:latin typeface="Arial" panose="020B0604020202020204" pitchFamily="34" charset="0"/>
                 <a:cs typeface="Arial" panose="020B0604020202020204" pitchFamily="34" charset="0"/>
               </a:rPr>
-              <a:t>3/14/2024</a:t>
+              <a:t>3/21/2024</a:t>
             </a:fld>
             <a:endParaRPr kumimoji="0" lang="en-US" dirty="0">
               <a:latin typeface="Arial" panose="020B0604020202020204" pitchFamily="34" charset="0"/>
@@ -19105,7 +19105,7 @@
                 <a:latin typeface="Arial" panose="020B0604020202020204" pitchFamily="34" charset="0"/>
                 <a:cs typeface="Arial" panose="020B0604020202020204" pitchFamily="34" charset="0"/>
               </a:rPr>
-              <a:t>3/14/2024</a:t>
+              <a:t>3/21/2024</a:t>
             </a:fld>
             <a:endParaRPr kumimoji="0" lang="en-US" dirty="0">
               <a:latin typeface="Arial" panose="020B0604020202020204" pitchFamily="34" charset="0"/>
@@ -19389,7 +19389,7 @@
                 <a:latin typeface="Arial" panose="020B0604020202020204" pitchFamily="34" charset="0"/>
                 <a:cs typeface="Arial" panose="020B0604020202020204" pitchFamily="34" charset="0"/>
               </a:rPr>
-              <a:t>3/14/2024</a:t>
+              <a:t>3/21/2024</a:t>
             </a:fld>
             <a:endParaRPr kumimoji="0" lang="en-US" dirty="0">
               <a:latin typeface="Arial" panose="020B0604020202020204" pitchFamily="34" charset="0"/>
@@ -19608,7 +19608,7 @@
                 <a:latin typeface="Arial" panose="020B0604020202020204" pitchFamily="34" charset="0"/>
                 <a:cs typeface="Arial" panose="020B0604020202020204" pitchFamily="34" charset="0"/>
               </a:rPr>
-              <a:t>3/14/2024</a:t>
+              <a:t>3/21/2024</a:t>
             </a:fld>
             <a:endParaRPr kumimoji="0" lang="en-US" dirty="0">
               <a:latin typeface="Arial" panose="020B0604020202020204" pitchFamily="34" charset="0"/>
@@ -19667,7 +19667,7 @@
         <p:spPr>
           <a:xfrm>
             <a:off x="609600" y="1219200"/>
-            <a:ext cx="7924800" cy="5016758"/>
+            <a:ext cx="7924800" cy="5509200"/>
           </a:xfrm>
           <a:prstGeom prst="rect">
             <a:avLst/>
@@ -19920,6 +19920,45 @@
                 <a:ea typeface="微軟正黑體" panose="020B0604030504040204" pitchFamily="34" charset="-120"/>
               </a:rPr>
               <a:t>的前身</a:t>
+            </a:r>
+            <a:endParaRPr lang="en-US" altLang="zh-TW" sz="3200" b="0" i="0" dirty="0">
+              <a:effectLst/>
+              <a:latin typeface="微軟正黑體" panose="020B0604030504040204" pitchFamily="34" charset="-120"/>
+              <a:ea typeface="微軟正黑體" panose="020B0604030504040204" pitchFamily="34" charset="-120"/>
+            </a:endParaRPr>
+          </a:p>
+          <a:p>
+            <a:pPr marL="514350" indent="-514350">
+              <a:buFont typeface="+mj-lt"/>
+              <a:buAutoNum type="arabicPeriod"/>
+            </a:pPr>
+            <a:r>
+              <a:rPr lang="en-US" altLang="zh-TW" sz="3200" dirty="0" err="1">
+                <a:latin typeface="微軟正黑體" panose="020B0604030504040204" pitchFamily="34" charset="-120"/>
+                <a:ea typeface="微軟正黑體" panose="020B0604030504040204" pitchFamily="34" charset="-120"/>
+              </a:rPr>
+              <a:t>Anthropi</a:t>
+            </a:r>
+            <a:r>
+              <a:rPr lang="en-US" altLang="zh-TW" sz="3200" dirty="0">
+                <a:latin typeface="微軟正黑體" panose="020B0604030504040204" pitchFamily="34" charset="-120"/>
+                <a:ea typeface="微軟正黑體" panose="020B0604030504040204" pitchFamily="34" charset="-120"/>
+              </a:rPr>
+              <a:t> Claude</a:t>
+            </a:r>
+            <a:r>
+              <a:rPr lang="zh-TW" altLang="en-US" sz="3200" dirty="0">
+                <a:latin typeface="微軟正黑體" panose="020B0604030504040204" pitchFamily="34" charset="-120"/>
+                <a:ea typeface="微軟正黑體" panose="020B0604030504040204" pitchFamily="34" charset="-120"/>
+              </a:rPr>
+              <a:t>也是使用</a:t>
+            </a:r>
+            <a:r>
+              <a:rPr lang="en-US" altLang="zh-TW" sz="3200" dirty="0">
+                <a:latin typeface="微軟正黑體" panose="020B0604030504040204" pitchFamily="34" charset="-120"/>
+                <a:ea typeface="微軟正黑體" panose="020B0604030504040204" pitchFamily="34" charset="-120"/>
+              </a:rPr>
+              <a:t>RLHF</a:t>
             </a:r>
             <a:endParaRPr lang="en-US" altLang="zh-TW" sz="3200" b="0" i="0" dirty="0">
               <a:effectLst/>
@@ -20110,7 +20149,7 @@
                 <a:latin typeface="Arial" panose="020B0604020202020204" pitchFamily="34" charset="0"/>
                 <a:cs typeface="Arial" panose="020B0604020202020204" pitchFamily="34" charset="0"/>
               </a:rPr>
-              <a:t>3/14/2024</a:t>
+              <a:t>3/21/2024</a:t>
             </a:fld>
             <a:endParaRPr kumimoji="0" lang="en-US" dirty="0">
               <a:latin typeface="Arial" panose="020B0604020202020204" pitchFamily="34" charset="0"/>
@@ -20984,7 +21023,7 @@
                 <a:latin typeface="Arial" panose="020B0604020202020204" pitchFamily="34" charset="0"/>
                 <a:cs typeface="Arial" panose="020B0604020202020204" pitchFamily="34" charset="0"/>
               </a:rPr>
-              <a:t>3/14/2024</a:t>
+              <a:t>3/21/2024</a:t>
             </a:fld>
             <a:endParaRPr kumimoji="0" lang="en-US" dirty="0">
               <a:latin typeface="Arial" panose="020B0604020202020204" pitchFamily="34" charset="0"/>
@@ -21393,7 +21432,7 @@
                 <a:latin typeface="Arial" panose="020B0604020202020204" pitchFamily="34" charset="0"/>
                 <a:cs typeface="Arial" panose="020B0604020202020204" pitchFamily="34" charset="0"/>
               </a:rPr>
-              <a:t>3/14/2024</a:t>
+              <a:t>3/21/2024</a:t>
             </a:fld>
             <a:endParaRPr kumimoji="0" lang="en-US" dirty="0">
               <a:latin typeface="Arial" panose="020B0604020202020204" pitchFamily="34" charset="0"/>
@@ -21794,7 +21833,7 @@
                 <a:latin typeface="Arial" panose="020B0604020202020204" pitchFamily="34" charset="0"/>
                 <a:cs typeface="Arial" panose="020B0604020202020204" pitchFamily="34" charset="0"/>
               </a:rPr>
-              <a:t>3/14/2024</a:t>
+              <a:t>3/21/2024</a:t>
             </a:fld>
             <a:endParaRPr kumimoji="0" lang="en-US" dirty="0">
               <a:latin typeface="Arial" panose="020B0604020202020204" pitchFamily="34" charset="0"/>
@@ -22101,7 +22140,7 @@
                 <a:latin typeface="Arial" panose="020B0604020202020204" pitchFamily="34" charset="0"/>
                 <a:cs typeface="Arial" panose="020B0604020202020204" pitchFamily="34" charset="0"/>
               </a:rPr>
-              <a:t>3/14/2024</a:t>
+              <a:t>3/21/2024</a:t>
             </a:fld>
             <a:endParaRPr kumimoji="0" lang="en-US" dirty="0">
               <a:latin typeface="Arial" panose="020B0604020202020204" pitchFamily="34" charset="0"/>
@@ -22570,7 +22609,7 @@
                 <a:latin typeface="Arial" panose="020B0604020202020204" pitchFamily="34" charset="0"/>
                 <a:cs typeface="Arial" panose="020B0604020202020204" pitchFamily="34" charset="0"/>
               </a:rPr>
-              <a:t>3/14/2024</a:t>
+              <a:t>3/21/2024</a:t>
             </a:fld>
             <a:endParaRPr kumimoji="0" lang="en-US" dirty="0">
               <a:latin typeface="Arial" panose="020B0604020202020204" pitchFamily="34" charset="0"/>
@@ -22807,7 +22846,7 @@
                 <a:latin typeface="Arial" panose="020B0604020202020204" pitchFamily="34" charset="0"/>
                 <a:cs typeface="Arial" panose="020B0604020202020204" pitchFamily="34" charset="0"/>
               </a:rPr>
-              <a:t>3/14/2024</a:t>
+              <a:t>3/21/2024</a:t>
             </a:fld>
             <a:endParaRPr kumimoji="0" lang="en-US" dirty="0">
               <a:latin typeface="Arial" panose="020B0604020202020204" pitchFamily="34" charset="0"/>
